--- a/slides/PythonIsFast.pptx
+++ b/slides/PythonIsFast.pptx
@@ -112,6 +112,11 @@
       </a:defRPr>
     </a:lvl9pPr>
   </p:defaultTextStyle>
+  <p:extLst>
+    <p:ext uri="{EFAFB233-063F-42B5-8137-9DF3F51BA10A}">
+      <p15:sldGuideLst xmlns:p15="http://schemas.microsoft.com/office/powerpoint/2012/main"/>
+    </p:ext>
+  </p:extLst>
 </p:presentation>
 </file>
 
@@ -286,7 +291,7 @@
           <a:p>
             <a:fld id="{48A87A34-81AB-432B-8DAE-1953F412C126}" type="datetimeFigureOut">
               <a:rPr lang="en-US" dirty="0"/>
-              <a:t>5/2/18</a:t>
+              <a:t>5/3/18</a:t>
             </a:fld>
             <a:endParaRPr lang="en-US" dirty="0"/>
           </a:p>
@@ -593,7 +598,7 @@
           <a:p>
             <a:fld id="{48A87A34-81AB-432B-8DAE-1953F412C126}" type="datetimeFigureOut">
               <a:rPr lang="en-US" dirty="0"/>
-              <a:t>5/2/18</a:t>
+              <a:t>5/3/18</a:t>
             </a:fld>
             <a:endParaRPr lang="en-US" dirty="0"/>
           </a:p>
@@ -810,7 +815,7 @@
           <a:p>
             <a:fld id="{48A87A34-81AB-432B-8DAE-1953F412C126}" type="datetimeFigureOut">
               <a:rPr lang="en-US" dirty="0"/>
-              <a:t>5/2/18</a:t>
+              <a:t>5/3/18</a:t>
             </a:fld>
             <a:endParaRPr lang="en-US" dirty="0"/>
           </a:p>
@@ -1096,7 +1101,7 @@
           <a:p>
             <a:fld id="{48A87A34-81AB-432B-8DAE-1953F412C126}" type="datetimeFigureOut">
               <a:rPr lang="en-US" dirty="0"/>
-              <a:t>5/2/18</a:t>
+              <a:t>5/3/18</a:t>
             </a:fld>
             <a:endParaRPr lang="en-US" dirty="0"/>
           </a:p>
@@ -1545,7 +1550,7 @@
           <a:p>
             <a:fld id="{48A87A34-81AB-432B-8DAE-1953F412C126}" type="datetimeFigureOut">
               <a:rPr lang="en-US" dirty="0"/>
-              <a:t>5/2/18</a:t>
+              <a:t>5/3/18</a:t>
             </a:fld>
             <a:endParaRPr lang="en-US" dirty="0"/>
           </a:p>
@@ -2116,7 +2121,7 @@
           <a:p>
             <a:fld id="{48A87A34-81AB-432B-8DAE-1953F412C126}" type="datetimeFigureOut">
               <a:rPr lang="en-US" dirty="0"/>
-              <a:t>5/2/18</a:t>
+              <a:t>5/3/18</a:t>
             </a:fld>
             <a:endParaRPr lang="en-US" dirty="0"/>
           </a:p>
@@ -2963,7 +2968,7 @@
           <a:p>
             <a:fld id="{48A87A34-81AB-432B-8DAE-1953F412C126}" type="datetimeFigureOut">
               <a:rPr lang="en-US" dirty="0"/>
-              <a:t>5/2/18</a:t>
+              <a:t>5/3/18</a:t>
             </a:fld>
             <a:endParaRPr lang="en-US" dirty="0"/>
           </a:p>
@@ -3163,7 +3168,7 @@
           <a:p>
             <a:fld id="{48A87A34-81AB-432B-8DAE-1953F412C126}" type="datetimeFigureOut">
               <a:rPr lang="en-US" dirty="0"/>
-              <a:t>5/2/18</a:t>
+              <a:t>5/3/18</a:t>
             </a:fld>
             <a:endParaRPr lang="en-US" dirty="0"/>
           </a:p>
@@ -3372,7 +3377,7 @@
           <a:p>
             <a:fld id="{48A87A34-81AB-432B-8DAE-1953F412C126}" type="datetimeFigureOut">
               <a:rPr lang="en-US" dirty="0"/>
-              <a:t>5/2/18</a:t>
+              <a:t>5/3/18</a:t>
             </a:fld>
             <a:endParaRPr lang="en-US" dirty="0"/>
           </a:p>
@@ -3572,7 +3577,7 @@
           <a:p>
             <a:fld id="{48A87A34-81AB-432B-8DAE-1953F412C126}" type="datetimeFigureOut">
               <a:rPr lang="en-US" dirty="0"/>
-              <a:t>5/2/18</a:t>
+              <a:t>5/3/18</a:t>
             </a:fld>
             <a:endParaRPr lang="en-US" dirty="0"/>
           </a:p>
@@ -3847,7 +3852,7 @@
           <a:p>
             <a:fld id="{48A87A34-81AB-432B-8DAE-1953F412C126}" type="datetimeFigureOut">
               <a:rPr lang="en-US" dirty="0"/>
-              <a:t>5/2/18</a:t>
+              <a:t>5/3/18</a:t>
             </a:fld>
             <a:endParaRPr lang="en-US" dirty="0"/>
           </a:p>
@@ -4109,7 +4114,7 @@
           <a:p>
             <a:fld id="{48A87A34-81AB-432B-8DAE-1953F412C126}" type="datetimeFigureOut">
               <a:rPr lang="en-US" dirty="0"/>
-              <a:t>5/2/18</a:t>
+              <a:t>5/3/18</a:t>
             </a:fld>
             <a:endParaRPr lang="en-US" dirty="0"/>
           </a:p>
@@ -4519,7 +4524,7 @@
           <a:p>
             <a:fld id="{48A87A34-81AB-432B-8DAE-1953F412C126}" type="datetimeFigureOut">
               <a:rPr lang="en-US" dirty="0"/>
-              <a:t>5/2/18</a:t>
+              <a:t>5/3/18</a:t>
             </a:fld>
             <a:endParaRPr lang="en-US" dirty="0"/>
           </a:p>
@@ -4662,7 +4667,7 @@
           <a:p>
             <a:fld id="{48A87A34-81AB-432B-8DAE-1953F412C126}" type="datetimeFigureOut">
               <a:rPr lang="en-US" dirty="0"/>
-              <a:t>5/2/18</a:t>
+              <a:t>5/3/18</a:t>
             </a:fld>
             <a:endParaRPr lang="en-US" dirty="0"/>
           </a:p>
@@ -4782,7 +4787,7 @@
           <a:p>
             <a:fld id="{48A87A34-81AB-432B-8DAE-1953F412C126}" type="datetimeFigureOut">
               <a:rPr lang="en-US" dirty="0"/>
-              <a:t>5/2/18</a:t>
+              <a:t>5/3/18</a:t>
             </a:fld>
             <a:endParaRPr lang="en-US" dirty="0"/>
           </a:p>
@@ -5056,7 +5061,7 @@
           <a:p>
             <a:fld id="{48A87A34-81AB-432B-8DAE-1953F412C126}" type="datetimeFigureOut">
               <a:rPr lang="en-US" dirty="0"/>
-              <a:t>5/2/18</a:t>
+              <a:t>5/3/18</a:t>
             </a:fld>
             <a:endParaRPr lang="en-US" dirty="0"/>
           </a:p>
@@ -5363,7 +5368,7 @@
           <a:p>
             <a:fld id="{48A87A34-81AB-432B-8DAE-1953F412C126}" type="datetimeFigureOut">
               <a:rPr lang="en-US" dirty="0"/>
-              <a:t>5/2/18</a:t>
+              <a:t>5/3/18</a:t>
             </a:fld>
             <a:endParaRPr lang="en-US" dirty="0"/>
           </a:p>
@@ -5612,7 +5617,7 @@
             <a:fld id="{48A87A34-81AB-432B-8DAE-1953F412C126}" type="datetimeFigureOut">
               <a:rPr lang="en-US" dirty="0"/>
               <a:pPr/>
-              <a:t>5/2/18</a:t>
+              <a:t>5/3/18</a:t>
             </a:fld>
             <a:endParaRPr lang="en-US" dirty="0"/>
           </a:p>
@@ -6103,31 +6108,6 @@
           </a:p>
         </p:txBody>
       </p:sp>
-      <p:sp>
-        <p:nvSpPr>
-          <p:cNvPr id="3" name="Subtitle 2">
-            <a:extLst>
-              <a:ext uri="{FF2B5EF4-FFF2-40B4-BE49-F238E27FC236}">
-                <a16:creationId xmlns:a16="http://schemas.microsoft.com/office/drawing/2014/main" id="{960FCBDC-718F-F049-950C-05F72F4D3FD7}"/>
-              </a:ext>
-            </a:extLst>
-          </p:cNvPr>
-          <p:cNvSpPr>
-            <a:spLocks noGrp="1"/>
-          </p:cNvSpPr>
-          <p:nvPr>
-            <p:ph type="subTitle" idx="1"/>
-          </p:nvPr>
-        </p:nvSpPr>
-        <p:spPr/>
-        <p:txBody>
-          <a:bodyPr/>
-          <a:lstStyle/>
-          <a:p>
-            <a:endParaRPr lang="en-US" dirty="0"/>
-          </a:p>
-        </p:txBody>
-      </p:sp>
     </p:spTree>
     <p:extLst>
       <p:ext uri="{BB962C8B-B14F-4D97-AF65-F5344CB8AC3E}">
